--- a/메모장/Spring/2024-04-09 spring Mvc.pptx
+++ b/메모장/Spring/2024-04-09 spring Mvc.pptx
@@ -9,7 +9,9 @@
     <p:sldId id="257" r:id="rId3"/>
     <p:sldId id="258" r:id="rId4"/>
     <p:sldId id="259" r:id="rId5"/>
-    <p:sldId id="260" r:id="rId6"/>
+    <p:sldId id="261" r:id="rId6"/>
+    <p:sldId id="264" r:id="rId7"/>
+    <p:sldId id="262" r:id="rId8"/>
   </p:sldIdLst>
   <p:sldSz cx="12192000" cy="6858000"/>
   <p:notesSz cx="6858000" cy="9144000"/>
@@ -263,7 +265,7 @@
           <a:p>
             <a:fld id="{437ABEBA-1A2A-4219-85F8-F7830148AA2C}" type="datetimeFigureOut">
               <a:rPr lang="ko-KR" altLang="en-US" smtClean="0"/>
-              <a:t>2024-04-09</a:t>
+              <a:t>2024-04-12</a:t>
             </a:fld>
             <a:endParaRPr lang="ko-KR" altLang="en-US"/>
           </a:p>
@@ -461,7 +463,7 @@
           <a:p>
             <a:fld id="{437ABEBA-1A2A-4219-85F8-F7830148AA2C}" type="datetimeFigureOut">
               <a:rPr lang="ko-KR" altLang="en-US" smtClean="0"/>
-              <a:t>2024-04-09</a:t>
+              <a:t>2024-04-12</a:t>
             </a:fld>
             <a:endParaRPr lang="ko-KR" altLang="en-US"/>
           </a:p>
@@ -669,7 +671,7 @@
           <a:p>
             <a:fld id="{437ABEBA-1A2A-4219-85F8-F7830148AA2C}" type="datetimeFigureOut">
               <a:rPr lang="ko-KR" altLang="en-US" smtClean="0"/>
-              <a:t>2024-04-09</a:t>
+              <a:t>2024-04-12</a:t>
             </a:fld>
             <a:endParaRPr lang="ko-KR" altLang="en-US"/>
           </a:p>
@@ -867,7 +869,7 @@
           <a:p>
             <a:fld id="{437ABEBA-1A2A-4219-85F8-F7830148AA2C}" type="datetimeFigureOut">
               <a:rPr lang="ko-KR" altLang="en-US" smtClean="0"/>
-              <a:t>2024-04-09</a:t>
+              <a:t>2024-04-12</a:t>
             </a:fld>
             <a:endParaRPr lang="ko-KR" altLang="en-US"/>
           </a:p>
@@ -1142,7 +1144,7 @@
           <a:p>
             <a:fld id="{437ABEBA-1A2A-4219-85F8-F7830148AA2C}" type="datetimeFigureOut">
               <a:rPr lang="ko-KR" altLang="en-US" smtClean="0"/>
-              <a:t>2024-04-09</a:t>
+              <a:t>2024-04-12</a:t>
             </a:fld>
             <a:endParaRPr lang="ko-KR" altLang="en-US"/>
           </a:p>
@@ -1407,7 +1409,7 @@
           <a:p>
             <a:fld id="{437ABEBA-1A2A-4219-85F8-F7830148AA2C}" type="datetimeFigureOut">
               <a:rPr lang="ko-KR" altLang="en-US" smtClean="0"/>
-              <a:t>2024-04-09</a:t>
+              <a:t>2024-04-12</a:t>
             </a:fld>
             <a:endParaRPr lang="ko-KR" altLang="en-US"/>
           </a:p>
@@ -1819,7 +1821,7 @@
           <a:p>
             <a:fld id="{437ABEBA-1A2A-4219-85F8-F7830148AA2C}" type="datetimeFigureOut">
               <a:rPr lang="ko-KR" altLang="en-US" smtClean="0"/>
-              <a:t>2024-04-09</a:t>
+              <a:t>2024-04-12</a:t>
             </a:fld>
             <a:endParaRPr lang="ko-KR" altLang="en-US"/>
           </a:p>
@@ -1960,7 +1962,7 @@
           <a:p>
             <a:fld id="{437ABEBA-1A2A-4219-85F8-F7830148AA2C}" type="datetimeFigureOut">
               <a:rPr lang="ko-KR" altLang="en-US" smtClean="0"/>
-              <a:t>2024-04-09</a:t>
+              <a:t>2024-04-12</a:t>
             </a:fld>
             <a:endParaRPr lang="ko-KR" altLang="en-US"/>
           </a:p>
@@ -2073,7 +2075,7 @@
           <a:p>
             <a:fld id="{437ABEBA-1A2A-4219-85F8-F7830148AA2C}" type="datetimeFigureOut">
               <a:rPr lang="ko-KR" altLang="en-US" smtClean="0"/>
-              <a:t>2024-04-09</a:t>
+              <a:t>2024-04-12</a:t>
             </a:fld>
             <a:endParaRPr lang="ko-KR" altLang="en-US"/>
           </a:p>
@@ -2384,7 +2386,7 @@
           <a:p>
             <a:fld id="{437ABEBA-1A2A-4219-85F8-F7830148AA2C}" type="datetimeFigureOut">
               <a:rPr lang="ko-KR" altLang="en-US" smtClean="0"/>
-              <a:t>2024-04-09</a:t>
+              <a:t>2024-04-12</a:t>
             </a:fld>
             <a:endParaRPr lang="ko-KR" altLang="en-US"/>
           </a:p>
@@ -2672,7 +2674,7 @@
           <a:p>
             <a:fld id="{437ABEBA-1A2A-4219-85F8-F7830148AA2C}" type="datetimeFigureOut">
               <a:rPr lang="ko-KR" altLang="en-US" smtClean="0"/>
-              <a:t>2024-04-09</a:t>
+              <a:t>2024-04-12</a:t>
             </a:fld>
             <a:endParaRPr lang="ko-KR" altLang="en-US"/>
           </a:p>
@@ -2913,7 +2915,7 @@
           <a:p>
             <a:fld id="{437ABEBA-1A2A-4219-85F8-F7830148AA2C}" type="datetimeFigureOut">
               <a:rPr lang="ko-KR" altLang="en-US" smtClean="0"/>
-              <a:t>2024-04-09</a:t>
+              <a:t>2024-04-12</a:t>
             </a:fld>
             <a:endParaRPr lang="ko-KR" altLang="en-US"/>
           </a:p>
@@ -4992,7 +4994,7 @@
           <p:cNvPr id="4" name="사각형: 둥근 모서리 3">
             <a:extLst>
               <a:ext uri="{FF2B5EF4-FFF2-40B4-BE49-F238E27FC236}">
-                <a16:creationId xmlns:a16="http://schemas.microsoft.com/office/drawing/2014/main" id="{9789D459-9979-4FAB-8D9C-BB1BB9E5CF74}"/>
+                <a16:creationId xmlns:a16="http://schemas.microsoft.com/office/drawing/2014/main" id="{52DD0327-6499-435E-A16F-8F3AFCACC0EB}"/>
               </a:ext>
             </a:extLst>
           </p:cNvPr>
@@ -5001,8 +5003,8 @@
         </p:nvSpPr>
         <p:spPr>
           <a:xfrm>
-            <a:off x="562708" y="2297723"/>
-            <a:ext cx="1500554" cy="797169"/>
+            <a:off x="671119" y="2692866"/>
+            <a:ext cx="1795244" cy="906011"/>
           </a:xfrm>
           <a:prstGeom prst="roundRect">
             <a:avLst/>
@@ -5010,13 +5012,13 @@
         </p:spPr>
         <p:style>
           <a:lnRef idx="2">
-            <a:schemeClr val="accent6"/>
+            <a:schemeClr val="accent1"/>
           </a:lnRef>
           <a:fillRef idx="1">
             <a:schemeClr val="lt1"/>
           </a:fillRef>
           <a:effectRef idx="0">
-            <a:schemeClr val="accent6"/>
+            <a:schemeClr val="accent1"/>
           </a:effectRef>
           <a:fontRef idx="minor">
             <a:schemeClr val="dk1"/>
@@ -5028,7 +5030,7 @@
           <a:p>
             <a:pPr algn="ctr"/>
             <a:r>
-              <a:rPr lang="ko-KR" altLang="en-US"/>
+              <a:rPr lang="ko-KR" altLang="en-US" dirty="0"/>
               <a:t>클라이언트</a:t>
             </a:r>
           </a:p>
@@ -5039,7 +5041,7 @@
           <p:cNvPr id="5" name="사각형: 둥근 모서리 4">
             <a:extLst>
               <a:ext uri="{FF2B5EF4-FFF2-40B4-BE49-F238E27FC236}">
-                <a16:creationId xmlns:a16="http://schemas.microsoft.com/office/drawing/2014/main" id="{8E82BFFE-F950-4A9B-8932-48D1BC4D2F27}"/>
+                <a16:creationId xmlns:a16="http://schemas.microsoft.com/office/drawing/2014/main" id="{83D0E4CF-6188-4261-B9E1-7382D5FFDC0B}"/>
               </a:ext>
             </a:extLst>
           </p:cNvPr>
@@ -5048,8 +5050,8 @@
         </p:nvSpPr>
         <p:spPr>
           <a:xfrm>
-            <a:off x="2854568" y="2297722"/>
-            <a:ext cx="1818815" cy="797169"/>
+            <a:off x="2920766" y="2692865"/>
+            <a:ext cx="1795244" cy="906011"/>
           </a:xfrm>
           <a:prstGeom prst="roundRect">
             <a:avLst/>
@@ -5057,13 +5059,13 @@
         </p:spPr>
         <p:style>
           <a:lnRef idx="2">
-            <a:schemeClr val="accent6"/>
+            <a:schemeClr val="accent1"/>
           </a:lnRef>
           <a:fillRef idx="1">
             <a:schemeClr val="lt1"/>
           </a:fillRef>
           <a:effectRef idx="0">
-            <a:schemeClr val="accent6"/>
+            <a:schemeClr val="accent1"/>
           </a:effectRef>
           <a:fontRef idx="minor">
             <a:schemeClr val="dk1"/>
@@ -5087,7 +5089,7 @@
           <p:cNvPr id="6" name="사각형: 둥근 모서리 5">
             <a:extLst>
               <a:ext uri="{FF2B5EF4-FFF2-40B4-BE49-F238E27FC236}">
-                <a16:creationId xmlns:a16="http://schemas.microsoft.com/office/drawing/2014/main" id="{46A4D744-B8B1-4E88-B945-9D52404B451D}"/>
+                <a16:creationId xmlns:a16="http://schemas.microsoft.com/office/drawing/2014/main" id="{425EAAB3-8B35-4EF2-8230-849F8C7A4944}"/>
               </a:ext>
             </a:extLst>
           </p:cNvPr>
@@ -5096,8 +5098,8 @@
         </p:nvSpPr>
         <p:spPr>
           <a:xfrm>
-            <a:off x="5146431" y="2297722"/>
-            <a:ext cx="1500554" cy="797169"/>
+            <a:off x="5198378" y="2692864"/>
+            <a:ext cx="1795244" cy="906011"/>
           </a:xfrm>
           <a:prstGeom prst="roundRect">
             <a:avLst/>
@@ -5105,13 +5107,13 @@
         </p:spPr>
         <p:style>
           <a:lnRef idx="2">
-            <a:schemeClr val="accent6"/>
+            <a:schemeClr val="accent1"/>
           </a:lnRef>
           <a:fillRef idx="1">
             <a:schemeClr val="lt1"/>
           </a:fillRef>
           <a:effectRef idx="0">
-            <a:schemeClr val="accent6"/>
+            <a:schemeClr val="accent1"/>
           </a:effectRef>
           <a:fontRef idx="minor">
             <a:schemeClr val="dk1"/>
@@ -5130,12 +5132,97 @@
           </a:p>
         </p:txBody>
       </p:sp>
-      <p:sp>
-        <p:nvSpPr>
-          <p:cNvPr id="7" name="사각형: 둥근 모서리 6">
-            <a:extLst>
-              <a:ext uri="{FF2B5EF4-FFF2-40B4-BE49-F238E27FC236}">
-                <a16:creationId xmlns:a16="http://schemas.microsoft.com/office/drawing/2014/main" id="{625737D4-CD8D-4FE5-86A4-1C2534516A81}"/>
+      <p:cxnSp>
+        <p:nvCxnSpPr>
+          <p:cNvPr id="8" name="직선 화살표 연결선 7">
+            <a:extLst>
+              <a:ext uri="{FF2B5EF4-FFF2-40B4-BE49-F238E27FC236}">
+                <a16:creationId xmlns:a16="http://schemas.microsoft.com/office/drawing/2014/main" id="{4E87ED59-D11C-4E02-88CC-915ABCAC9F45}"/>
+              </a:ext>
+            </a:extLst>
+          </p:cNvPr>
+          <p:cNvCxnSpPr>
+            <a:stCxn id="4" idx="3"/>
+            <a:endCxn id="5" idx="1"/>
+          </p:cNvCxnSpPr>
+          <p:nvPr/>
+        </p:nvCxnSpPr>
+        <p:spPr>
+          <a:xfrm flipV="1">
+            <a:off x="2466363" y="3145871"/>
+            <a:ext cx="454403" cy="1"/>
+          </a:xfrm>
+          <a:prstGeom prst="straightConnector1">
+            <a:avLst/>
+          </a:prstGeom>
+          <a:ln>
+            <a:tailEnd type="triangle"/>
+          </a:ln>
+        </p:spPr>
+        <p:style>
+          <a:lnRef idx="1">
+            <a:schemeClr val="accent1"/>
+          </a:lnRef>
+          <a:fillRef idx="0">
+            <a:schemeClr val="accent1"/>
+          </a:fillRef>
+          <a:effectRef idx="0">
+            <a:schemeClr val="accent1"/>
+          </a:effectRef>
+          <a:fontRef idx="minor">
+            <a:schemeClr val="tx1"/>
+          </a:fontRef>
+        </p:style>
+      </p:cxnSp>
+      <p:cxnSp>
+        <p:nvCxnSpPr>
+          <p:cNvPr id="10" name="직선 화살표 연결선 9">
+            <a:extLst>
+              <a:ext uri="{FF2B5EF4-FFF2-40B4-BE49-F238E27FC236}">
+                <a16:creationId xmlns:a16="http://schemas.microsoft.com/office/drawing/2014/main" id="{A4E0F4AB-38E0-4FBC-A4BC-496C3D83AB80}"/>
+              </a:ext>
+            </a:extLst>
+          </p:cNvPr>
+          <p:cNvCxnSpPr>
+            <a:cxnSpLocks/>
+            <a:stCxn id="5" idx="3"/>
+            <a:endCxn id="6" idx="1"/>
+          </p:cNvCxnSpPr>
+          <p:nvPr/>
+        </p:nvCxnSpPr>
+        <p:spPr>
+          <a:xfrm flipV="1">
+            <a:off x="4716010" y="3145870"/>
+            <a:ext cx="482368" cy="1"/>
+          </a:xfrm>
+          <a:prstGeom prst="straightConnector1">
+            <a:avLst/>
+          </a:prstGeom>
+          <a:ln>
+            <a:tailEnd type="triangle"/>
+          </a:ln>
+        </p:spPr>
+        <p:style>
+          <a:lnRef idx="1">
+            <a:schemeClr val="accent1"/>
+          </a:lnRef>
+          <a:fillRef idx="0">
+            <a:schemeClr val="accent1"/>
+          </a:fillRef>
+          <a:effectRef idx="0">
+            <a:schemeClr val="accent1"/>
+          </a:effectRef>
+          <a:fontRef idx="minor">
+            <a:schemeClr val="tx1"/>
+          </a:fontRef>
+        </p:style>
+      </p:cxnSp>
+      <p:sp>
+        <p:nvSpPr>
+          <p:cNvPr id="12" name="사각형: 둥근 모서리 11">
+            <a:extLst>
+              <a:ext uri="{FF2B5EF4-FFF2-40B4-BE49-F238E27FC236}">
+                <a16:creationId xmlns:a16="http://schemas.microsoft.com/office/drawing/2014/main" id="{90C35CD6-463A-42B0-A191-D0102C10A1E7}"/>
               </a:ext>
             </a:extLst>
           </p:cNvPr>
@@ -5144,8 +5231,8 @@
         </p:nvSpPr>
         <p:spPr>
           <a:xfrm>
-            <a:off x="8047893" y="687996"/>
-            <a:ext cx="1500554" cy="316524"/>
+            <a:off x="7506749" y="613792"/>
+            <a:ext cx="1795244" cy="426443"/>
           </a:xfrm>
           <a:prstGeom prst="roundRect">
             <a:avLst/>
@@ -5153,13 +5240,13 @@
         </p:spPr>
         <p:style>
           <a:lnRef idx="2">
-            <a:schemeClr val="accent6"/>
+            <a:schemeClr val="accent1"/>
           </a:lnRef>
           <a:fillRef idx="1">
             <a:schemeClr val="lt1"/>
           </a:fillRef>
           <a:effectRef idx="0">
-            <a:schemeClr val="accent6"/>
+            <a:schemeClr val="accent1"/>
           </a:effectRef>
           <a:fontRef idx="minor">
             <a:schemeClr val="dk1"/>
@@ -5172,7 +5259,7 @@
             <a:pPr algn="ctr"/>
             <a:r>
               <a:rPr lang="en-US" altLang="ko-KR" dirty="0"/>
-              <a:t>service</a:t>
+              <a:t>Service</a:t>
             </a:r>
             <a:endParaRPr lang="ko-KR" altLang="en-US" dirty="0"/>
           </a:p>
@@ -5180,10 +5267,10 @@
       </p:sp>
       <p:sp>
         <p:nvSpPr>
-          <p:cNvPr id="11" name="사각형: 둥근 모서리 10">
-            <a:extLst>
-              <a:ext uri="{FF2B5EF4-FFF2-40B4-BE49-F238E27FC236}">
-                <a16:creationId xmlns:a16="http://schemas.microsoft.com/office/drawing/2014/main" id="{23933E73-67D9-4684-83C5-E3CD1AB31FB1}"/>
+          <p:cNvPr id="13" name="사각형: 둥근 모서리 12">
+            <a:extLst>
+              <a:ext uri="{FF2B5EF4-FFF2-40B4-BE49-F238E27FC236}">
+                <a16:creationId xmlns:a16="http://schemas.microsoft.com/office/drawing/2014/main" id="{17A97FBC-999B-41F9-AB55-4B19DD2CE1CF}"/>
               </a:ext>
             </a:extLst>
           </p:cNvPr>
@@ -5192,8 +5279,8 @@
         </p:nvSpPr>
         <p:spPr>
           <a:xfrm>
-            <a:off x="8047893" y="1231652"/>
-            <a:ext cx="1500554" cy="316524"/>
+            <a:off x="7506749" y="1235976"/>
+            <a:ext cx="1795244" cy="426443"/>
           </a:xfrm>
           <a:prstGeom prst="roundRect">
             <a:avLst/>
@@ -5201,13 +5288,13 @@
         </p:spPr>
         <p:style>
           <a:lnRef idx="2">
-            <a:schemeClr val="accent6"/>
+            <a:schemeClr val="accent1"/>
           </a:lnRef>
           <a:fillRef idx="1">
             <a:schemeClr val="lt1"/>
           </a:fillRef>
           <a:effectRef idx="0">
-            <a:schemeClr val="accent6"/>
+            <a:schemeClr val="accent1"/>
           </a:effectRef>
           <a:fontRef idx="minor">
             <a:schemeClr val="dk1"/>
@@ -5220,7 +5307,7 @@
             <a:pPr algn="ctr"/>
             <a:r>
               <a:rPr lang="en-US" altLang="ko-KR" dirty="0"/>
-              <a:t>service</a:t>
+              <a:t>Service</a:t>
             </a:r>
             <a:endParaRPr lang="ko-KR" altLang="en-US" dirty="0"/>
           </a:p>
@@ -5228,10 +5315,10 @@
       </p:sp>
       <p:sp>
         <p:nvSpPr>
-          <p:cNvPr id="12" name="사각형: 둥근 모서리 11">
-            <a:extLst>
-              <a:ext uri="{FF2B5EF4-FFF2-40B4-BE49-F238E27FC236}">
-                <a16:creationId xmlns:a16="http://schemas.microsoft.com/office/drawing/2014/main" id="{225F3082-FA3F-469D-B166-EF2F992A6905}"/>
+          <p:cNvPr id="14" name="사각형: 둥근 모서리 13">
+            <a:extLst>
+              <a:ext uri="{FF2B5EF4-FFF2-40B4-BE49-F238E27FC236}">
+                <a16:creationId xmlns:a16="http://schemas.microsoft.com/office/drawing/2014/main" id="{7A273104-6182-48CC-9D69-E27AC4AD6DB4}"/>
               </a:ext>
             </a:extLst>
           </p:cNvPr>
@@ -5240,8 +5327,8 @@
         </p:nvSpPr>
         <p:spPr>
           <a:xfrm>
-            <a:off x="8047893" y="1713397"/>
-            <a:ext cx="1500554" cy="316524"/>
+            <a:off x="7506749" y="1858160"/>
+            <a:ext cx="1795244" cy="426443"/>
           </a:xfrm>
           <a:prstGeom prst="roundRect">
             <a:avLst/>
@@ -5249,13 +5336,13 @@
         </p:spPr>
         <p:style>
           <a:lnRef idx="2">
-            <a:schemeClr val="accent6"/>
+            <a:schemeClr val="accent1"/>
           </a:lnRef>
           <a:fillRef idx="1">
             <a:schemeClr val="lt1"/>
           </a:fillRef>
           <a:effectRef idx="0">
-            <a:schemeClr val="accent6"/>
+            <a:schemeClr val="accent1"/>
           </a:effectRef>
           <a:fontRef idx="minor">
             <a:schemeClr val="dk1"/>
@@ -5268,7 +5355,7 @@
             <a:pPr algn="ctr"/>
             <a:r>
               <a:rPr lang="en-US" altLang="ko-KR" dirty="0"/>
-              <a:t>service</a:t>
+              <a:t>Service</a:t>
             </a:r>
             <a:endParaRPr lang="ko-KR" altLang="en-US" dirty="0"/>
           </a:p>
@@ -5276,10 +5363,10 @@
       </p:sp>
       <p:sp>
         <p:nvSpPr>
-          <p:cNvPr id="13" name="사각형: 둥근 모서리 12">
-            <a:extLst>
-              <a:ext uri="{FF2B5EF4-FFF2-40B4-BE49-F238E27FC236}">
-                <a16:creationId xmlns:a16="http://schemas.microsoft.com/office/drawing/2014/main" id="{9548708C-2CFB-42F1-A25A-1CE7B25910B1}"/>
+          <p:cNvPr id="15" name="사각형: 둥근 모서리 14">
+            <a:extLst>
+              <a:ext uri="{FF2B5EF4-FFF2-40B4-BE49-F238E27FC236}">
+                <a16:creationId xmlns:a16="http://schemas.microsoft.com/office/drawing/2014/main" id="{393850BD-D947-4E16-BBC1-F734C554C48D}"/>
               </a:ext>
             </a:extLst>
           </p:cNvPr>
@@ -5288,8 +5375,8 @@
         </p:nvSpPr>
         <p:spPr>
           <a:xfrm>
-            <a:off x="8047893" y="2297722"/>
-            <a:ext cx="1500554" cy="316524"/>
+            <a:off x="7506749" y="2480344"/>
+            <a:ext cx="1795244" cy="426443"/>
           </a:xfrm>
           <a:prstGeom prst="roundRect">
             <a:avLst/>
@@ -5297,13 +5384,13 @@
         </p:spPr>
         <p:style>
           <a:lnRef idx="2">
-            <a:schemeClr val="accent6"/>
+            <a:schemeClr val="accent1"/>
           </a:lnRef>
           <a:fillRef idx="1">
             <a:schemeClr val="lt1"/>
           </a:fillRef>
           <a:effectRef idx="0">
-            <a:schemeClr val="accent6"/>
+            <a:schemeClr val="accent1"/>
           </a:effectRef>
           <a:fontRef idx="minor">
             <a:schemeClr val="dk1"/>
@@ -5316,18 +5403,186 @@
             <a:pPr algn="ctr"/>
             <a:r>
               <a:rPr lang="en-US" altLang="ko-KR" dirty="0"/>
-              <a:t>service</a:t>
+              <a:t>Service</a:t>
             </a:r>
             <a:endParaRPr lang="ko-KR" altLang="en-US" dirty="0"/>
           </a:p>
         </p:txBody>
       </p:sp>
-      <p:sp>
-        <p:nvSpPr>
-          <p:cNvPr id="14" name="직사각형 13">
-            <a:extLst>
-              <a:ext uri="{FF2B5EF4-FFF2-40B4-BE49-F238E27FC236}">
-                <a16:creationId xmlns:a16="http://schemas.microsoft.com/office/drawing/2014/main" id="{3CE72DBF-10C4-4583-8EAD-7F1218C7F7DD}"/>
+      <p:cxnSp>
+        <p:nvCxnSpPr>
+          <p:cNvPr id="19" name="연결선: 꺾임 18">
+            <a:extLst>
+              <a:ext uri="{FF2B5EF4-FFF2-40B4-BE49-F238E27FC236}">
+                <a16:creationId xmlns:a16="http://schemas.microsoft.com/office/drawing/2014/main" id="{1B97EFB8-3DFC-4605-B64C-5D0AD3256AAB}"/>
+              </a:ext>
+            </a:extLst>
+          </p:cNvPr>
+          <p:cNvCxnSpPr>
+            <a:stCxn id="6" idx="3"/>
+            <a:endCxn id="12" idx="1"/>
+          </p:cNvCxnSpPr>
+          <p:nvPr/>
+        </p:nvCxnSpPr>
+        <p:spPr>
+          <a:xfrm flipV="1">
+            <a:off x="6993622" y="827014"/>
+            <a:ext cx="513127" cy="2318856"/>
+          </a:xfrm>
+          <a:prstGeom prst="bentConnector3">
+            <a:avLst/>
+          </a:prstGeom>
+          <a:ln>
+            <a:tailEnd type="triangle"/>
+          </a:ln>
+        </p:spPr>
+        <p:style>
+          <a:lnRef idx="1">
+            <a:schemeClr val="accent1"/>
+          </a:lnRef>
+          <a:fillRef idx="0">
+            <a:schemeClr val="accent1"/>
+          </a:fillRef>
+          <a:effectRef idx="0">
+            <a:schemeClr val="accent1"/>
+          </a:effectRef>
+          <a:fontRef idx="minor">
+            <a:schemeClr val="tx1"/>
+          </a:fontRef>
+        </p:style>
+      </p:cxnSp>
+      <p:cxnSp>
+        <p:nvCxnSpPr>
+          <p:cNvPr id="21" name="연결선: 꺾임 20">
+            <a:extLst>
+              <a:ext uri="{FF2B5EF4-FFF2-40B4-BE49-F238E27FC236}">
+                <a16:creationId xmlns:a16="http://schemas.microsoft.com/office/drawing/2014/main" id="{350C8BA2-505B-44CC-9E0D-33037AFF98AC}"/>
+              </a:ext>
+            </a:extLst>
+          </p:cNvPr>
+          <p:cNvCxnSpPr>
+            <a:stCxn id="6" idx="3"/>
+            <a:endCxn id="13" idx="1"/>
+          </p:cNvCxnSpPr>
+          <p:nvPr/>
+        </p:nvCxnSpPr>
+        <p:spPr>
+          <a:xfrm flipV="1">
+            <a:off x="6993622" y="1449198"/>
+            <a:ext cx="513127" cy="1696672"/>
+          </a:xfrm>
+          <a:prstGeom prst="bentConnector3">
+            <a:avLst/>
+          </a:prstGeom>
+          <a:ln>
+            <a:tailEnd type="triangle"/>
+          </a:ln>
+        </p:spPr>
+        <p:style>
+          <a:lnRef idx="1">
+            <a:schemeClr val="accent1"/>
+          </a:lnRef>
+          <a:fillRef idx="0">
+            <a:schemeClr val="accent1"/>
+          </a:fillRef>
+          <a:effectRef idx="0">
+            <a:schemeClr val="accent1"/>
+          </a:effectRef>
+          <a:fontRef idx="minor">
+            <a:schemeClr val="tx1"/>
+          </a:fontRef>
+        </p:style>
+      </p:cxnSp>
+      <p:cxnSp>
+        <p:nvCxnSpPr>
+          <p:cNvPr id="23" name="연결선: 꺾임 22">
+            <a:extLst>
+              <a:ext uri="{FF2B5EF4-FFF2-40B4-BE49-F238E27FC236}">
+                <a16:creationId xmlns:a16="http://schemas.microsoft.com/office/drawing/2014/main" id="{4DBE900A-537F-4320-8AF2-68A1E473F7C9}"/>
+              </a:ext>
+            </a:extLst>
+          </p:cNvPr>
+          <p:cNvCxnSpPr>
+            <a:stCxn id="6" idx="3"/>
+            <a:endCxn id="14" idx="1"/>
+          </p:cNvCxnSpPr>
+          <p:nvPr/>
+        </p:nvCxnSpPr>
+        <p:spPr>
+          <a:xfrm flipV="1">
+            <a:off x="6993622" y="2071382"/>
+            <a:ext cx="513127" cy="1074488"/>
+          </a:xfrm>
+          <a:prstGeom prst="bentConnector3">
+            <a:avLst/>
+          </a:prstGeom>
+          <a:ln>
+            <a:tailEnd type="triangle"/>
+          </a:ln>
+        </p:spPr>
+        <p:style>
+          <a:lnRef idx="1">
+            <a:schemeClr val="accent1"/>
+          </a:lnRef>
+          <a:fillRef idx="0">
+            <a:schemeClr val="accent1"/>
+          </a:fillRef>
+          <a:effectRef idx="0">
+            <a:schemeClr val="accent1"/>
+          </a:effectRef>
+          <a:fontRef idx="minor">
+            <a:schemeClr val="tx1"/>
+          </a:fontRef>
+        </p:style>
+      </p:cxnSp>
+      <p:cxnSp>
+        <p:nvCxnSpPr>
+          <p:cNvPr id="25" name="연결선: 꺾임 24">
+            <a:extLst>
+              <a:ext uri="{FF2B5EF4-FFF2-40B4-BE49-F238E27FC236}">
+                <a16:creationId xmlns:a16="http://schemas.microsoft.com/office/drawing/2014/main" id="{9910AB87-DE93-4E10-A80C-42D8D37E93F6}"/>
+              </a:ext>
+            </a:extLst>
+          </p:cNvPr>
+          <p:cNvCxnSpPr>
+            <a:stCxn id="6" idx="3"/>
+            <a:endCxn id="15" idx="1"/>
+          </p:cNvCxnSpPr>
+          <p:nvPr/>
+        </p:nvCxnSpPr>
+        <p:spPr>
+          <a:xfrm flipV="1">
+            <a:off x="6993622" y="2693566"/>
+            <a:ext cx="513127" cy="452304"/>
+          </a:xfrm>
+          <a:prstGeom prst="bentConnector3">
+            <a:avLst/>
+          </a:prstGeom>
+          <a:ln>
+            <a:tailEnd type="triangle"/>
+          </a:ln>
+        </p:spPr>
+        <p:style>
+          <a:lnRef idx="1">
+            <a:schemeClr val="accent1"/>
+          </a:lnRef>
+          <a:fillRef idx="0">
+            <a:schemeClr val="accent1"/>
+          </a:fillRef>
+          <a:effectRef idx="0">
+            <a:schemeClr val="accent1"/>
+          </a:effectRef>
+          <a:fontRef idx="minor">
+            <a:schemeClr val="tx1"/>
+          </a:fontRef>
+        </p:style>
+      </p:cxnSp>
+      <p:sp>
+        <p:nvSpPr>
+          <p:cNvPr id="26" name="직사각형 25">
+            <a:extLst>
+              <a:ext uri="{FF2B5EF4-FFF2-40B4-BE49-F238E27FC236}">
+                <a16:creationId xmlns:a16="http://schemas.microsoft.com/office/drawing/2014/main" id="{4ECABDCE-3AAE-427E-87D5-801110A6EF20}"/>
               </a:ext>
             </a:extLst>
           </p:cNvPr>
@@ -5336,8 +5591,8 @@
         </p:nvSpPr>
         <p:spPr>
           <a:xfrm>
-            <a:off x="10105292" y="687996"/>
-            <a:ext cx="844062" cy="543656"/>
+            <a:off x="9672506" y="1449198"/>
+            <a:ext cx="919992" cy="622184"/>
           </a:xfrm>
           <a:prstGeom prst="rect">
             <a:avLst/>
@@ -5366,7 +5621,7 @@
             <a:pPr algn="ctr"/>
             <a:r>
               <a:rPr lang="en-US" altLang="ko-KR" dirty="0"/>
-              <a:t>DTO</a:t>
+              <a:t>DAO</a:t>
             </a:r>
             <a:endParaRPr lang="ko-KR" altLang="en-US" dirty="0"/>
           </a:p>
@@ -5374,10 +5629,10 @@
       </p:sp>
       <p:sp>
         <p:nvSpPr>
-          <p:cNvPr id="15" name="직사각형 14">
-            <a:extLst>
-              <a:ext uri="{FF2B5EF4-FFF2-40B4-BE49-F238E27FC236}">
-                <a16:creationId xmlns:a16="http://schemas.microsoft.com/office/drawing/2014/main" id="{568645CE-250D-4392-B9AD-221E90B28745}"/>
+          <p:cNvPr id="27" name="직사각형 26">
+            <a:extLst>
+              <a:ext uri="{FF2B5EF4-FFF2-40B4-BE49-F238E27FC236}">
+                <a16:creationId xmlns:a16="http://schemas.microsoft.com/office/drawing/2014/main" id="{09905779-9DDC-439C-8153-87CC4DDE3453}"/>
               </a:ext>
             </a:extLst>
           </p:cNvPr>
@@ -5386,8 +5641,8 @@
         </p:nvSpPr>
         <p:spPr>
           <a:xfrm>
-            <a:off x="10105292" y="1713397"/>
-            <a:ext cx="844062" cy="543656"/>
+            <a:off x="9672506" y="515921"/>
+            <a:ext cx="919992" cy="622184"/>
           </a:xfrm>
           <a:prstGeom prst="rect">
             <a:avLst/>
@@ -5416,7 +5671,7 @@
             <a:pPr algn="ctr"/>
             <a:r>
               <a:rPr lang="en-US" altLang="ko-KR" dirty="0"/>
-              <a:t>DAO</a:t>
+              <a:t>DTO</a:t>
             </a:r>
             <a:endParaRPr lang="ko-KR" altLang="en-US" dirty="0"/>
           </a:p>
@@ -5424,10 +5679,10 @@
       </p:sp>
       <p:sp>
         <p:nvSpPr>
-          <p:cNvPr id="16" name="직사각형 15">
-            <a:extLst>
-              <a:ext uri="{FF2B5EF4-FFF2-40B4-BE49-F238E27FC236}">
-                <a16:creationId xmlns:a16="http://schemas.microsoft.com/office/drawing/2014/main" id="{00684275-17A3-420F-A2FC-36602F2F85C5}"/>
+          <p:cNvPr id="28" name="직사각형 27">
+            <a:extLst>
+              <a:ext uri="{FF2B5EF4-FFF2-40B4-BE49-F238E27FC236}">
+                <a16:creationId xmlns:a16="http://schemas.microsoft.com/office/drawing/2014/main" id="{9D0DE4B2-D0F3-4FEE-985D-7A8C1F5E8481}"/>
               </a:ext>
             </a:extLst>
           </p:cNvPr>
@@ -5436,8 +5691,8 @@
         </p:nvSpPr>
         <p:spPr>
           <a:xfrm>
-            <a:off x="11230708" y="687996"/>
-            <a:ext cx="961292" cy="4376373"/>
+            <a:off x="10963011" y="485159"/>
+            <a:ext cx="919992" cy="3315054"/>
           </a:xfrm>
           <a:prstGeom prst="rect">
             <a:avLst/>
@@ -5472,12 +5727,246 @@
           </a:p>
         </p:txBody>
       </p:sp>
-      <p:sp>
-        <p:nvSpPr>
-          <p:cNvPr id="17" name="사각형: 둥근 모서리 16">
-            <a:extLst>
-              <a:ext uri="{FF2B5EF4-FFF2-40B4-BE49-F238E27FC236}">
-                <a16:creationId xmlns:a16="http://schemas.microsoft.com/office/drawing/2014/main" id="{E8E5E87D-C619-44A6-9516-94573ECF428E}"/>
+      <p:cxnSp>
+        <p:nvCxnSpPr>
+          <p:cNvPr id="30" name="직선 화살표 연결선 29">
+            <a:extLst>
+              <a:ext uri="{FF2B5EF4-FFF2-40B4-BE49-F238E27FC236}">
+                <a16:creationId xmlns:a16="http://schemas.microsoft.com/office/drawing/2014/main" id="{9D4066D8-0094-47DD-9A78-EBE76ABA788D}"/>
+              </a:ext>
+            </a:extLst>
+          </p:cNvPr>
+          <p:cNvCxnSpPr/>
+          <p:nvPr/>
+        </p:nvCxnSpPr>
+        <p:spPr>
+          <a:xfrm>
+            <a:off x="10662407" y="1770077"/>
+            <a:ext cx="300604" cy="0"/>
+          </a:xfrm>
+          <a:prstGeom prst="straightConnector1">
+            <a:avLst/>
+          </a:prstGeom>
+          <a:ln>
+            <a:tailEnd type="triangle"/>
+          </a:ln>
+        </p:spPr>
+        <p:style>
+          <a:lnRef idx="1">
+            <a:schemeClr val="accent1"/>
+          </a:lnRef>
+          <a:fillRef idx="0">
+            <a:schemeClr val="accent1"/>
+          </a:fillRef>
+          <a:effectRef idx="0">
+            <a:schemeClr val="accent1"/>
+          </a:effectRef>
+          <a:fontRef idx="minor">
+            <a:schemeClr val="tx1"/>
+          </a:fontRef>
+        </p:style>
+      </p:cxnSp>
+      <p:cxnSp>
+        <p:nvCxnSpPr>
+          <p:cNvPr id="32" name="직선 연결선 31">
+            <a:extLst>
+              <a:ext uri="{FF2B5EF4-FFF2-40B4-BE49-F238E27FC236}">
+                <a16:creationId xmlns:a16="http://schemas.microsoft.com/office/drawing/2014/main" id="{8BCE8DD6-6F20-4446-ADD2-045EAF43EFEC}"/>
+              </a:ext>
+            </a:extLst>
+          </p:cNvPr>
+          <p:cNvCxnSpPr>
+            <a:stCxn id="27" idx="2"/>
+            <a:endCxn id="26" idx="0"/>
+          </p:cNvCxnSpPr>
+          <p:nvPr/>
+        </p:nvCxnSpPr>
+        <p:spPr>
+          <a:xfrm>
+            <a:off x="10132502" y="1138105"/>
+            <a:ext cx="0" cy="311093"/>
+          </a:xfrm>
+          <a:prstGeom prst="line">
+            <a:avLst/>
+          </a:prstGeom>
+        </p:spPr>
+        <p:style>
+          <a:lnRef idx="1">
+            <a:schemeClr val="accent1"/>
+          </a:lnRef>
+          <a:fillRef idx="0">
+            <a:schemeClr val="accent1"/>
+          </a:fillRef>
+          <a:effectRef idx="0">
+            <a:schemeClr val="accent1"/>
+          </a:effectRef>
+          <a:fontRef idx="minor">
+            <a:schemeClr val="tx1"/>
+          </a:fontRef>
+        </p:style>
+      </p:cxnSp>
+      <p:cxnSp>
+        <p:nvCxnSpPr>
+          <p:cNvPr id="35" name="직선 연결선 34">
+            <a:extLst>
+              <a:ext uri="{FF2B5EF4-FFF2-40B4-BE49-F238E27FC236}">
+                <a16:creationId xmlns:a16="http://schemas.microsoft.com/office/drawing/2014/main" id="{F5A9B241-512F-4B35-80C2-E75CE53E757F}"/>
+              </a:ext>
+            </a:extLst>
+          </p:cNvPr>
+          <p:cNvCxnSpPr>
+            <a:stCxn id="12" idx="3"/>
+            <a:endCxn id="26" idx="1"/>
+          </p:cNvCxnSpPr>
+          <p:nvPr/>
+        </p:nvCxnSpPr>
+        <p:spPr>
+          <a:xfrm>
+            <a:off x="9301993" y="827014"/>
+            <a:ext cx="370513" cy="933276"/>
+          </a:xfrm>
+          <a:prstGeom prst="line">
+            <a:avLst/>
+          </a:prstGeom>
+        </p:spPr>
+        <p:style>
+          <a:lnRef idx="1">
+            <a:schemeClr val="dk1"/>
+          </a:lnRef>
+          <a:fillRef idx="0">
+            <a:schemeClr val="dk1"/>
+          </a:fillRef>
+          <a:effectRef idx="0">
+            <a:schemeClr val="dk1"/>
+          </a:effectRef>
+          <a:fontRef idx="minor">
+            <a:schemeClr val="tx1"/>
+          </a:fontRef>
+        </p:style>
+      </p:cxnSp>
+      <p:cxnSp>
+        <p:nvCxnSpPr>
+          <p:cNvPr id="37" name="직선 연결선 36">
+            <a:extLst>
+              <a:ext uri="{FF2B5EF4-FFF2-40B4-BE49-F238E27FC236}">
+                <a16:creationId xmlns:a16="http://schemas.microsoft.com/office/drawing/2014/main" id="{1A7E7EF0-3E11-4B7C-A132-0996D177AE5D}"/>
+              </a:ext>
+            </a:extLst>
+          </p:cNvPr>
+          <p:cNvCxnSpPr>
+            <a:stCxn id="13" idx="3"/>
+            <a:endCxn id="26" idx="1"/>
+          </p:cNvCxnSpPr>
+          <p:nvPr/>
+        </p:nvCxnSpPr>
+        <p:spPr>
+          <a:xfrm>
+            <a:off x="9301993" y="1449198"/>
+            <a:ext cx="370513" cy="311092"/>
+          </a:xfrm>
+          <a:prstGeom prst="line">
+            <a:avLst/>
+          </a:prstGeom>
+        </p:spPr>
+        <p:style>
+          <a:lnRef idx="1">
+            <a:schemeClr val="accent1"/>
+          </a:lnRef>
+          <a:fillRef idx="0">
+            <a:schemeClr val="accent1"/>
+          </a:fillRef>
+          <a:effectRef idx="0">
+            <a:schemeClr val="accent1"/>
+          </a:effectRef>
+          <a:fontRef idx="minor">
+            <a:schemeClr val="tx1"/>
+          </a:fontRef>
+        </p:style>
+      </p:cxnSp>
+      <p:cxnSp>
+        <p:nvCxnSpPr>
+          <p:cNvPr id="39" name="직선 연결선 38">
+            <a:extLst>
+              <a:ext uri="{FF2B5EF4-FFF2-40B4-BE49-F238E27FC236}">
+                <a16:creationId xmlns:a16="http://schemas.microsoft.com/office/drawing/2014/main" id="{2CB55303-21CB-4093-A832-29957E3FF95F}"/>
+              </a:ext>
+            </a:extLst>
+          </p:cNvPr>
+          <p:cNvCxnSpPr>
+            <a:stCxn id="14" idx="3"/>
+            <a:endCxn id="26" idx="1"/>
+          </p:cNvCxnSpPr>
+          <p:nvPr/>
+        </p:nvCxnSpPr>
+        <p:spPr>
+          <a:xfrm flipV="1">
+            <a:off x="9301993" y="1760290"/>
+            <a:ext cx="370513" cy="311092"/>
+          </a:xfrm>
+          <a:prstGeom prst="line">
+            <a:avLst/>
+          </a:prstGeom>
+        </p:spPr>
+        <p:style>
+          <a:lnRef idx="1">
+            <a:schemeClr val="accent1"/>
+          </a:lnRef>
+          <a:fillRef idx="0">
+            <a:schemeClr val="accent1"/>
+          </a:fillRef>
+          <a:effectRef idx="0">
+            <a:schemeClr val="accent1"/>
+          </a:effectRef>
+          <a:fontRef idx="minor">
+            <a:schemeClr val="tx1"/>
+          </a:fontRef>
+        </p:style>
+      </p:cxnSp>
+      <p:cxnSp>
+        <p:nvCxnSpPr>
+          <p:cNvPr id="41" name="직선 연결선 40">
+            <a:extLst>
+              <a:ext uri="{FF2B5EF4-FFF2-40B4-BE49-F238E27FC236}">
+                <a16:creationId xmlns:a16="http://schemas.microsoft.com/office/drawing/2014/main" id="{209D4564-7633-4C74-BF4B-850B5D0A073E}"/>
+              </a:ext>
+            </a:extLst>
+          </p:cNvPr>
+          <p:cNvCxnSpPr>
+            <a:stCxn id="15" idx="3"/>
+            <a:endCxn id="26" idx="1"/>
+          </p:cNvCxnSpPr>
+          <p:nvPr/>
+        </p:nvCxnSpPr>
+        <p:spPr>
+          <a:xfrm flipV="1">
+            <a:off x="9301993" y="1760290"/>
+            <a:ext cx="370513" cy="933276"/>
+          </a:xfrm>
+          <a:prstGeom prst="line">
+            <a:avLst/>
+          </a:prstGeom>
+        </p:spPr>
+        <p:style>
+          <a:lnRef idx="1">
+            <a:schemeClr val="accent1"/>
+          </a:lnRef>
+          <a:fillRef idx="0">
+            <a:schemeClr val="accent1"/>
+          </a:fillRef>
+          <a:effectRef idx="0">
+            <a:schemeClr val="accent1"/>
+          </a:effectRef>
+          <a:fontRef idx="minor">
+            <a:schemeClr val="tx1"/>
+          </a:fontRef>
+        </p:style>
+      </p:cxnSp>
+      <p:sp>
+        <p:nvSpPr>
+          <p:cNvPr id="43" name="사각형: 둥근 모서리 42">
+            <a:extLst>
+              <a:ext uri="{FF2B5EF4-FFF2-40B4-BE49-F238E27FC236}">
+                <a16:creationId xmlns:a16="http://schemas.microsoft.com/office/drawing/2014/main" id="{1E427119-E444-44BF-BFF0-DC2BB9CD8348}"/>
               </a:ext>
             </a:extLst>
           </p:cNvPr>
@@ -5486,8 +5975,8 @@
         </p:nvSpPr>
         <p:spPr>
           <a:xfrm>
-            <a:off x="5146431" y="3622432"/>
-            <a:ext cx="1500554" cy="797169"/>
+            <a:off x="5198378" y="4389535"/>
+            <a:ext cx="1795244" cy="906011"/>
           </a:xfrm>
           <a:prstGeom prst="roundRect">
             <a:avLst/>
@@ -5495,13 +5984,13 @@
         </p:spPr>
         <p:style>
           <a:lnRef idx="2">
-            <a:schemeClr val="accent6"/>
+            <a:schemeClr val="accent1"/>
           </a:lnRef>
           <a:fillRef idx="1">
             <a:schemeClr val="lt1"/>
           </a:fillRef>
           <a:effectRef idx="0">
-            <a:schemeClr val="accent6"/>
+            <a:schemeClr val="accent1"/>
           </a:effectRef>
           <a:fontRef idx="minor">
             <a:schemeClr val="dk1"/>
@@ -5514,7 +6003,7 @@
             <a:pPr algn="ctr"/>
             <a:r>
               <a:rPr lang="en-US" altLang="ko-KR" dirty="0"/>
-              <a:t>View</a:t>
+              <a:t>VIEW</a:t>
             </a:r>
             <a:endParaRPr lang="ko-KR" altLang="en-US" dirty="0"/>
           </a:p>
@@ -5522,10 +6011,10 @@
       </p:sp>
       <p:sp>
         <p:nvSpPr>
-          <p:cNvPr id="18" name="TextBox 17">
-            <a:extLst>
-              <a:ext uri="{FF2B5EF4-FFF2-40B4-BE49-F238E27FC236}">
-                <a16:creationId xmlns:a16="http://schemas.microsoft.com/office/drawing/2014/main" id="{D5FF7F68-9A4D-4694-B338-F03BCCD7B2AD}"/>
+          <p:cNvPr id="44" name="TextBox 43">
+            <a:extLst>
+              <a:ext uri="{FF2B5EF4-FFF2-40B4-BE49-F238E27FC236}">
+                <a16:creationId xmlns:a16="http://schemas.microsoft.com/office/drawing/2014/main" id="{AD695DA4-0DA2-4F4C-A725-55F4C8E2D50D}"/>
               </a:ext>
             </a:extLst>
           </p:cNvPr>
@@ -5534,8 +6023,8 @@
         </p:nvSpPr>
         <p:spPr>
           <a:xfrm>
-            <a:off x="3131799" y="5064369"/>
-            <a:ext cx="946093" cy="369332"/>
+            <a:off x="3951215" y="5662569"/>
+            <a:ext cx="870751" cy="369332"/>
           </a:xfrm>
           <a:prstGeom prst="rect">
             <a:avLst/>
@@ -5550,7 +6039,7 @@
           <a:p>
             <a:r>
               <a:rPr lang="en-US" altLang="ko-KR" dirty="0"/>
-              <a:t>Ui </a:t>
+              <a:t>UI</a:t>
             </a:r>
             <a:r>
               <a:rPr lang="ko-KR" altLang="en-US" dirty="0"/>
@@ -5561,10 +6050,10 @@
       </p:sp>
       <p:sp>
         <p:nvSpPr>
-          <p:cNvPr id="22" name="TextBox 21">
-            <a:extLst>
-              <a:ext uri="{FF2B5EF4-FFF2-40B4-BE49-F238E27FC236}">
-                <a16:creationId xmlns:a16="http://schemas.microsoft.com/office/drawing/2014/main" id="{F65391D9-E8E7-4285-8BC4-A752E179398A}"/>
+          <p:cNvPr id="45" name="TextBox 44">
+            <a:extLst>
+              <a:ext uri="{FF2B5EF4-FFF2-40B4-BE49-F238E27FC236}">
+                <a16:creationId xmlns:a16="http://schemas.microsoft.com/office/drawing/2014/main" id="{ED9F0DC4-D1D3-4136-93E1-9B5F9E1B3A5B}"/>
               </a:ext>
             </a:extLst>
           </p:cNvPr>
@@ -5573,8 +6062,8 @@
         </p:nvSpPr>
         <p:spPr>
           <a:xfrm>
-            <a:off x="6090685" y="5064369"/>
-            <a:ext cx="946093" cy="369332"/>
+            <a:off x="5043182" y="5662569"/>
+            <a:ext cx="870751" cy="369332"/>
           </a:xfrm>
           <a:prstGeom prst="rect">
             <a:avLst/>
@@ -5589,7 +6078,7 @@
           <a:p>
             <a:r>
               <a:rPr lang="en-US" altLang="ko-KR" dirty="0"/>
-              <a:t>Ui </a:t>
+              <a:t>UI</a:t>
             </a:r>
             <a:r>
               <a:rPr lang="ko-KR" altLang="en-US" dirty="0"/>
@@ -5600,10 +6089,10 @@
       </p:sp>
       <p:sp>
         <p:nvSpPr>
-          <p:cNvPr id="23" name="TextBox 22">
-            <a:extLst>
-              <a:ext uri="{FF2B5EF4-FFF2-40B4-BE49-F238E27FC236}">
-                <a16:creationId xmlns:a16="http://schemas.microsoft.com/office/drawing/2014/main" id="{17F21249-E1FA-4196-A0EB-158E155642ED}"/>
+          <p:cNvPr id="46" name="TextBox 45">
+            <a:extLst>
+              <a:ext uri="{FF2B5EF4-FFF2-40B4-BE49-F238E27FC236}">
+                <a16:creationId xmlns:a16="http://schemas.microsoft.com/office/drawing/2014/main" id="{76950116-ADDB-4295-8277-A27F1BA44A07}"/>
               </a:ext>
             </a:extLst>
           </p:cNvPr>
@@ -5612,8 +6101,8 @@
         </p:nvSpPr>
         <p:spPr>
           <a:xfrm>
-            <a:off x="4673384" y="5064369"/>
-            <a:ext cx="946093" cy="369332"/>
+            <a:off x="6096000" y="5662569"/>
+            <a:ext cx="870751" cy="369332"/>
           </a:xfrm>
           <a:prstGeom prst="rect">
             <a:avLst/>
@@ -5628,7 +6117,7 @@
           <a:p>
             <a:r>
               <a:rPr lang="en-US" altLang="ko-KR" dirty="0"/>
-              <a:t>Ui </a:t>
+              <a:t>UI</a:t>
             </a:r>
             <a:r>
               <a:rPr lang="ko-KR" altLang="en-US" dirty="0"/>
@@ -5639,10 +6128,10 @@
       </p:sp>
       <p:sp>
         <p:nvSpPr>
-          <p:cNvPr id="24" name="TextBox 23">
-            <a:extLst>
-              <a:ext uri="{FF2B5EF4-FFF2-40B4-BE49-F238E27FC236}">
-                <a16:creationId xmlns:a16="http://schemas.microsoft.com/office/drawing/2014/main" id="{12F13C5B-EB71-4F90-A5BC-4EDF2890CE49}"/>
+          <p:cNvPr id="47" name="TextBox 46">
+            <a:extLst>
+              <a:ext uri="{FF2B5EF4-FFF2-40B4-BE49-F238E27FC236}">
+                <a16:creationId xmlns:a16="http://schemas.microsoft.com/office/drawing/2014/main" id="{F456ED06-59CD-4DF6-928D-DCB87F9DDC80}"/>
               </a:ext>
             </a:extLst>
           </p:cNvPr>
@@ -5651,8 +6140,8 @@
         </p:nvSpPr>
         <p:spPr>
           <a:xfrm>
-            <a:off x="7507986" y="5064369"/>
-            <a:ext cx="946093" cy="369332"/>
+            <a:off x="7250185" y="5622024"/>
+            <a:ext cx="870751" cy="369332"/>
           </a:xfrm>
           <a:prstGeom prst="rect">
             <a:avLst/>
@@ -5667,7 +6156,7 @@
           <a:p>
             <a:r>
               <a:rPr lang="en-US" altLang="ko-KR" dirty="0"/>
-              <a:t>Ui </a:t>
+              <a:t>UI</a:t>
             </a:r>
             <a:r>
               <a:rPr lang="ko-KR" altLang="en-US" dirty="0"/>
@@ -5676,12 +6165,219 @@
           </a:p>
         </p:txBody>
       </p:sp>
-      <p:sp>
-        <p:nvSpPr>
-          <p:cNvPr id="25" name="TextBox 24">
-            <a:extLst>
-              <a:ext uri="{FF2B5EF4-FFF2-40B4-BE49-F238E27FC236}">
-                <a16:creationId xmlns:a16="http://schemas.microsoft.com/office/drawing/2014/main" id="{2C58750F-C1B8-481A-B2BE-ED120070DFE6}"/>
+      <p:cxnSp>
+        <p:nvCxnSpPr>
+          <p:cNvPr id="49" name="직선 화살표 연결선 48">
+            <a:extLst>
+              <a:ext uri="{FF2B5EF4-FFF2-40B4-BE49-F238E27FC236}">
+                <a16:creationId xmlns:a16="http://schemas.microsoft.com/office/drawing/2014/main" id="{EF1960AB-80D8-4E34-9A7E-65EFCF81EE82}"/>
+              </a:ext>
+            </a:extLst>
+          </p:cNvPr>
+          <p:cNvCxnSpPr>
+            <a:stCxn id="6" idx="2"/>
+            <a:endCxn id="43" idx="0"/>
+          </p:cNvCxnSpPr>
+          <p:nvPr/>
+        </p:nvCxnSpPr>
+        <p:spPr>
+          <a:xfrm>
+            <a:off x="6096000" y="3598875"/>
+            <a:ext cx="0" cy="790660"/>
+          </a:xfrm>
+          <a:prstGeom prst="straightConnector1">
+            <a:avLst/>
+          </a:prstGeom>
+          <a:ln>
+            <a:tailEnd type="triangle"/>
+          </a:ln>
+        </p:spPr>
+        <p:style>
+          <a:lnRef idx="1">
+            <a:schemeClr val="accent1"/>
+          </a:lnRef>
+          <a:fillRef idx="0">
+            <a:schemeClr val="accent1"/>
+          </a:fillRef>
+          <a:effectRef idx="0">
+            <a:schemeClr val="accent1"/>
+          </a:effectRef>
+          <a:fontRef idx="minor">
+            <a:schemeClr val="tx1"/>
+          </a:fontRef>
+        </p:style>
+      </p:cxnSp>
+      <p:cxnSp>
+        <p:nvCxnSpPr>
+          <p:cNvPr id="51" name="직선 화살표 연결선 50">
+            <a:extLst>
+              <a:ext uri="{FF2B5EF4-FFF2-40B4-BE49-F238E27FC236}">
+                <a16:creationId xmlns:a16="http://schemas.microsoft.com/office/drawing/2014/main" id="{9BD2B661-E064-457E-810F-5CEE066BBEBB}"/>
+              </a:ext>
+            </a:extLst>
+          </p:cNvPr>
+          <p:cNvCxnSpPr>
+            <a:stCxn id="43" idx="2"/>
+          </p:cNvCxnSpPr>
+          <p:nvPr/>
+        </p:nvCxnSpPr>
+        <p:spPr>
+          <a:xfrm flipH="1">
+            <a:off x="4716010" y="5295546"/>
+            <a:ext cx="1379990" cy="367023"/>
+          </a:xfrm>
+          <a:prstGeom prst="straightConnector1">
+            <a:avLst/>
+          </a:prstGeom>
+          <a:ln>
+            <a:tailEnd type="triangle"/>
+          </a:ln>
+        </p:spPr>
+        <p:style>
+          <a:lnRef idx="1">
+            <a:schemeClr val="accent1"/>
+          </a:lnRef>
+          <a:fillRef idx="0">
+            <a:schemeClr val="accent1"/>
+          </a:fillRef>
+          <a:effectRef idx="0">
+            <a:schemeClr val="accent1"/>
+          </a:effectRef>
+          <a:fontRef idx="minor">
+            <a:schemeClr val="tx1"/>
+          </a:fontRef>
+        </p:style>
+      </p:cxnSp>
+      <p:cxnSp>
+        <p:nvCxnSpPr>
+          <p:cNvPr id="53" name="직선 화살표 연결선 52">
+            <a:extLst>
+              <a:ext uri="{FF2B5EF4-FFF2-40B4-BE49-F238E27FC236}">
+                <a16:creationId xmlns:a16="http://schemas.microsoft.com/office/drawing/2014/main" id="{FEF4BD28-9CB8-4277-A015-1510753EDF80}"/>
+              </a:ext>
+            </a:extLst>
+          </p:cNvPr>
+          <p:cNvCxnSpPr>
+            <a:stCxn id="43" idx="2"/>
+          </p:cNvCxnSpPr>
+          <p:nvPr/>
+        </p:nvCxnSpPr>
+        <p:spPr>
+          <a:xfrm flipH="1">
+            <a:off x="5612235" y="5295546"/>
+            <a:ext cx="483765" cy="434135"/>
+          </a:xfrm>
+          <a:prstGeom prst="straightConnector1">
+            <a:avLst/>
+          </a:prstGeom>
+          <a:ln>
+            <a:tailEnd type="triangle"/>
+          </a:ln>
+        </p:spPr>
+        <p:style>
+          <a:lnRef idx="1">
+            <a:schemeClr val="accent1"/>
+          </a:lnRef>
+          <a:fillRef idx="0">
+            <a:schemeClr val="accent1"/>
+          </a:fillRef>
+          <a:effectRef idx="0">
+            <a:schemeClr val="accent1"/>
+          </a:effectRef>
+          <a:fontRef idx="minor">
+            <a:schemeClr val="tx1"/>
+          </a:fontRef>
+        </p:style>
+      </p:cxnSp>
+      <p:cxnSp>
+        <p:nvCxnSpPr>
+          <p:cNvPr id="55" name="직선 화살표 연결선 54">
+            <a:extLst>
+              <a:ext uri="{FF2B5EF4-FFF2-40B4-BE49-F238E27FC236}">
+                <a16:creationId xmlns:a16="http://schemas.microsoft.com/office/drawing/2014/main" id="{B900F176-D0F0-4A3E-9876-673060606A2A}"/>
+              </a:ext>
+            </a:extLst>
+          </p:cNvPr>
+          <p:cNvCxnSpPr>
+            <a:stCxn id="43" idx="2"/>
+          </p:cNvCxnSpPr>
+          <p:nvPr/>
+        </p:nvCxnSpPr>
+        <p:spPr>
+          <a:xfrm>
+            <a:off x="6096000" y="5295546"/>
+            <a:ext cx="581637" cy="367023"/>
+          </a:xfrm>
+          <a:prstGeom prst="straightConnector1">
+            <a:avLst/>
+          </a:prstGeom>
+          <a:ln>
+            <a:tailEnd type="triangle"/>
+          </a:ln>
+        </p:spPr>
+        <p:style>
+          <a:lnRef idx="1">
+            <a:schemeClr val="accent1"/>
+          </a:lnRef>
+          <a:fillRef idx="0">
+            <a:schemeClr val="accent1"/>
+          </a:fillRef>
+          <a:effectRef idx="0">
+            <a:schemeClr val="accent1"/>
+          </a:effectRef>
+          <a:fontRef idx="minor">
+            <a:schemeClr val="tx1"/>
+          </a:fontRef>
+        </p:style>
+      </p:cxnSp>
+      <p:cxnSp>
+        <p:nvCxnSpPr>
+          <p:cNvPr id="57" name="직선 화살표 연결선 56">
+            <a:extLst>
+              <a:ext uri="{FF2B5EF4-FFF2-40B4-BE49-F238E27FC236}">
+                <a16:creationId xmlns:a16="http://schemas.microsoft.com/office/drawing/2014/main" id="{4078A41C-182B-4974-A9A9-923BE13C5FF9}"/>
+              </a:ext>
+            </a:extLst>
+          </p:cNvPr>
+          <p:cNvCxnSpPr>
+            <a:stCxn id="43" idx="2"/>
+            <a:endCxn id="47" idx="0"/>
+          </p:cNvCxnSpPr>
+          <p:nvPr/>
+        </p:nvCxnSpPr>
+        <p:spPr>
+          <a:xfrm>
+            <a:off x="6096000" y="5295546"/>
+            <a:ext cx="1589561" cy="326478"/>
+          </a:xfrm>
+          <a:prstGeom prst="straightConnector1">
+            <a:avLst/>
+          </a:prstGeom>
+          <a:ln>
+            <a:tailEnd type="triangle"/>
+          </a:ln>
+        </p:spPr>
+        <p:style>
+          <a:lnRef idx="1">
+            <a:schemeClr val="accent1"/>
+          </a:lnRef>
+          <a:fillRef idx="0">
+            <a:schemeClr val="accent1"/>
+          </a:fillRef>
+          <a:effectRef idx="0">
+            <a:schemeClr val="accent1"/>
+          </a:effectRef>
+          <a:fontRef idx="minor">
+            <a:schemeClr val="tx1"/>
+          </a:fontRef>
+        </p:style>
+      </p:cxnSp>
+      <p:sp>
+        <p:nvSpPr>
+          <p:cNvPr id="58" name="TextBox 57">
+            <a:extLst>
+              <a:ext uri="{FF2B5EF4-FFF2-40B4-BE49-F238E27FC236}">
+                <a16:creationId xmlns:a16="http://schemas.microsoft.com/office/drawing/2014/main" id="{BE75B64D-EA17-4748-AF8E-DEB077357F36}"/>
               </a:ext>
             </a:extLst>
           </p:cNvPr>
@@ -5690,8 +6386,8 @@
         </p:nvSpPr>
         <p:spPr>
           <a:xfrm>
-            <a:off x="9310506" y="3535418"/>
-            <a:ext cx="1215333" cy="2585323"/>
+            <a:off x="8954038" y="3549878"/>
+            <a:ext cx="1178464" cy="2585323"/>
           </a:xfrm>
           <a:prstGeom prst="rect">
             <a:avLst/>
@@ -5706,7 +6402,7 @@
           <a:p>
             <a:r>
               <a:rPr lang="en-US" altLang="ko-KR" dirty="0"/>
-              <a:t>Controller</a:t>
+              <a:t>controller</a:t>
             </a:r>
           </a:p>
           <a:p>
@@ -5715,7 +6411,7 @@
           <a:p>
             <a:r>
               <a:rPr lang="en-US" altLang="ko-KR" dirty="0"/>
-              <a:t>Service</a:t>
+              <a:t>service</a:t>
             </a:r>
           </a:p>
           <a:p>
@@ -5723,17 +6419,18 @@
           </a:p>
           <a:p>
             <a:r>
-              <a:rPr lang="en-US" altLang="ko-KR" dirty="0"/>
-              <a:t>Dao</a:t>
-            </a:r>
-          </a:p>
-          <a:p>
+              <a:rPr lang="en-US" altLang="ko-KR" dirty="0" err="1"/>
+              <a:t>dao</a:t>
+            </a:r>
             <a:endParaRPr lang="en-US" altLang="ko-KR" dirty="0"/>
           </a:p>
           <a:p>
+            <a:endParaRPr lang="en-US" altLang="ko-KR" dirty="0"/>
+          </a:p>
+          <a:p>
             <a:r>
               <a:rPr lang="en-US" altLang="ko-KR" dirty="0" err="1"/>
-              <a:t>Dto</a:t>
+              <a:t>dto</a:t>
             </a:r>
             <a:endParaRPr lang="en-US" altLang="ko-KR" dirty="0"/>
           </a:p>
@@ -5745,14 +6442,462 @@
               <a:rPr lang="en-US" altLang="ko-KR" dirty="0" err="1"/>
               <a:t>uitility</a:t>
             </a:r>
-            <a:endParaRPr lang="ko-KR" altLang="en-US" dirty="0"/>
+            <a:endParaRPr lang="en-US" altLang="ko-KR" dirty="0"/>
           </a:p>
         </p:txBody>
       </p:sp>
     </p:spTree>
     <p:extLst>
       <p:ext uri="{BB962C8B-B14F-4D97-AF65-F5344CB8AC3E}">
-        <p14:creationId xmlns:p14="http://schemas.microsoft.com/office/powerpoint/2010/main" val="1325158222"/>
+        <p14:creationId xmlns:p14="http://schemas.microsoft.com/office/powerpoint/2010/main" val="2980404141"/>
+      </p:ext>
+    </p:extLst>
+  </p:cSld>
+  <p:clrMapOvr>
+    <a:masterClrMapping/>
+  </p:clrMapOvr>
+</p:sld>
+</file>
+
+<file path=ppt/slides/slide6.xml><?xml version="1.0" encoding="utf-8"?>
+<p:sld xmlns:a="http://schemas.openxmlformats.org/drawingml/2006/main" xmlns:r="http://schemas.openxmlformats.org/officeDocument/2006/relationships" xmlns:p="http://schemas.openxmlformats.org/presentationml/2006/main">
+  <p:cSld>
+    <p:spTree>
+      <p:nvGrpSpPr>
+        <p:cNvPr id="1" name=""/>
+        <p:cNvGrpSpPr/>
+        <p:nvPr/>
+      </p:nvGrpSpPr>
+      <p:grpSpPr>
+        <a:xfrm>
+          <a:off x="0" y="0"/>
+          <a:ext cx="0" cy="0"/>
+          <a:chOff x="0" y="0"/>
+          <a:chExt cx="0" cy="0"/>
+        </a:xfrm>
+      </p:grpSpPr>
+      <p:sp>
+        <p:nvSpPr>
+          <p:cNvPr id="2" name="제목 1">
+            <a:extLst>
+              <a:ext uri="{FF2B5EF4-FFF2-40B4-BE49-F238E27FC236}">
+                <a16:creationId xmlns:a16="http://schemas.microsoft.com/office/drawing/2014/main" id="{9C279B59-F97D-4455-AA47-24B408369474}"/>
+              </a:ext>
+            </a:extLst>
+          </p:cNvPr>
+          <p:cNvSpPr>
+            <a:spLocks noGrp="1"/>
+          </p:cNvSpPr>
+          <p:nvPr>
+            <p:ph type="title"/>
+          </p:nvPr>
+        </p:nvSpPr>
+        <p:spPr>
+          <a:xfrm>
+            <a:off x="838200" y="365125"/>
+            <a:ext cx="10515600" cy="733833"/>
+          </a:xfrm>
+        </p:spPr>
+        <p:txBody>
+          <a:bodyPr>
+            <a:normAutofit/>
+          </a:bodyPr>
+          <a:lstStyle/>
+          <a:p>
+            <a:r>
+              <a:rPr lang="en-US" altLang="ko-KR" sz="3600" b="1" dirty="0" err="1"/>
+              <a:t>jdbcTemplate</a:t>
+            </a:r>
+            <a:endParaRPr lang="ko-KR" altLang="en-US" sz="3600" b="1" dirty="0"/>
+          </a:p>
+        </p:txBody>
+      </p:sp>
+      <p:sp>
+        <p:nvSpPr>
+          <p:cNvPr id="3" name="내용 개체 틀 2">
+            <a:extLst>
+              <a:ext uri="{FF2B5EF4-FFF2-40B4-BE49-F238E27FC236}">
+                <a16:creationId xmlns:a16="http://schemas.microsoft.com/office/drawing/2014/main" id="{8AAF896B-9B59-494D-A838-6906E2F7F7C6}"/>
+              </a:ext>
+            </a:extLst>
+          </p:cNvPr>
+          <p:cNvSpPr>
+            <a:spLocks noGrp="1"/>
+          </p:cNvSpPr>
+          <p:nvPr>
+            <p:ph idx="1"/>
+          </p:nvPr>
+        </p:nvSpPr>
+        <p:spPr>
+          <a:xfrm>
+            <a:off x="838200" y="1098959"/>
+            <a:ext cx="10515600" cy="2592198"/>
+          </a:xfrm>
+        </p:spPr>
+        <p:txBody>
+          <a:bodyPr/>
+          <a:lstStyle/>
+          <a:p>
+            <a:r>
+              <a:rPr lang="en-US" altLang="ko-KR" dirty="0"/>
+              <a:t>spring-</a:t>
+            </a:r>
+            <a:r>
+              <a:rPr lang="en-US" altLang="ko-KR" dirty="0" err="1"/>
+              <a:t>jdbc</a:t>
+            </a:r>
+            <a:r>
+              <a:rPr lang="ko-KR" altLang="en-US" dirty="0"/>
+              <a:t>에 포함되어 있어 별도의 설정이 </a:t>
+            </a:r>
+            <a:r>
+              <a:rPr lang="ko-KR" altLang="en-US" dirty="0" err="1"/>
+              <a:t>필요없음</a:t>
+            </a:r>
+            <a:endParaRPr lang="en-US" altLang="ko-KR" dirty="0"/>
+          </a:p>
+          <a:p>
+            <a:r>
+              <a:rPr lang="ko-KR" altLang="en-US" dirty="0"/>
+              <a:t>템플릿 </a:t>
+            </a:r>
+            <a:r>
+              <a:rPr lang="ko-KR" altLang="en-US" dirty="0" err="1"/>
+              <a:t>콜백</a:t>
+            </a:r>
+            <a:r>
+              <a:rPr lang="ko-KR" altLang="en-US" dirty="0"/>
+              <a:t> 패턴을 이용 </a:t>
+            </a:r>
+            <a:r>
+              <a:rPr lang="en-US" altLang="ko-KR" dirty="0"/>
+              <a:t>– </a:t>
+            </a:r>
+            <a:r>
+              <a:rPr lang="ko-KR" altLang="en-US" dirty="0"/>
+              <a:t>대부분의 반복작업을 처리해줌</a:t>
+            </a:r>
+            <a:endParaRPr lang="en-US" altLang="ko-KR" dirty="0"/>
+          </a:p>
+          <a:p>
+            <a:r>
+              <a:rPr lang="ko-KR" altLang="en-US" dirty="0"/>
+              <a:t>스프링 예외를 자동으로 실행</a:t>
+            </a:r>
+            <a:endParaRPr lang="en-US" altLang="ko-KR" dirty="0"/>
+          </a:p>
+          <a:p>
+            <a:endParaRPr lang="en-US" altLang="ko-KR" dirty="0"/>
+          </a:p>
+          <a:p>
+            <a:r>
+              <a:rPr lang="ko-KR" altLang="en-US" dirty="0"/>
+              <a:t>동적</a:t>
+            </a:r>
+            <a:r>
+              <a:rPr lang="en-US" altLang="ko-KR" dirty="0" err="1"/>
+              <a:t>sql</a:t>
+            </a:r>
+            <a:r>
+              <a:rPr lang="ko-KR" altLang="en-US" dirty="0"/>
+              <a:t>의 경우 작성이 어려움 </a:t>
+            </a:r>
+            <a:r>
+              <a:rPr lang="en-US" altLang="ko-KR" dirty="0"/>
+              <a:t>(</a:t>
+            </a:r>
+            <a:r>
+              <a:rPr lang="en-US" altLang="ko-KR" dirty="0" err="1"/>
+              <a:t>Mybatis</a:t>
+            </a:r>
+            <a:r>
+              <a:rPr lang="en-US" altLang="ko-KR" dirty="0"/>
+              <a:t>, </a:t>
+            </a:r>
+            <a:r>
+              <a:rPr lang="en-US" altLang="ko-KR" dirty="0" err="1"/>
+              <a:t>QueryDSL</a:t>
+            </a:r>
+            <a:r>
+              <a:rPr lang="ko-KR" altLang="en-US" dirty="0"/>
+              <a:t>등으로 해결</a:t>
+            </a:r>
+            <a:r>
+              <a:rPr lang="en-US" altLang="ko-KR" dirty="0"/>
+              <a:t>)</a:t>
+            </a:r>
+            <a:endParaRPr lang="ko-KR" altLang="en-US" dirty="0"/>
+          </a:p>
+        </p:txBody>
+      </p:sp>
+    </p:spTree>
+    <p:extLst>
+      <p:ext uri="{BB962C8B-B14F-4D97-AF65-F5344CB8AC3E}">
+        <p14:creationId xmlns:p14="http://schemas.microsoft.com/office/powerpoint/2010/main" val="128588812"/>
+      </p:ext>
+    </p:extLst>
+  </p:cSld>
+  <p:clrMapOvr>
+    <a:masterClrMapping/>
+  </p:clrMapOvr>
+</p:sld>
+</file>
+
+<file path=ppt/slides/slide7.xml><?xml version="1.0" encoding="utf-8"?>
+<p:sld xmlns:a="http://schemas.openxmlformats.org/drawingml/2006/main" xmlns:r="http://schemas.openxmlformats.org/officeDocument/2006/relationships" xmlns:p="http://schemas.openxmlformats.org/presentationml/2006/main">
+  <p:cSld>
+    <p:spTree>
+      <p:nvGrpSpPr>
+        <p:cNvPr id="1" name=""/>
+        <p:cNvGrpSpPr/>
+        <p:nvPr/>
+      </p:nvGrpSpPr>
+      <p:grpSpPr>
+        <a:xfrm>
+          <a:off x="0" y="0"/>
+          <a:ext cx="0" cy="0"/>
+          <a:chOff x="0" y="0"/>
+          <a:chExt cx="0" cy="0"/>
+        </a:xfrm>
+      </p:grpSpPr>
+      <p:sp>
+        <p:nvSpPr>
+          <p:cNvPr id="2" name="제목 1">
+            <a:extLst>
+              <a:ext uri="{FF2B5EF4-FFF2-40B4-BE49-F238E27FC236}">
+                <a16:creationId xmlns:a16="http://schemas.microsoft.com/office/drawing/2014/main" id="{FB9F22EA-CCD0-4457-989F-5EC1E51AD72B}"/>
+              </a:ext>
+            </a:extLst>
+          </p:cNvPr>
+          <p:cNvSpPr>
+            <a:spLocks noGrp="1"/>
+          </p:cNvSpPr>
+          <p:nvPr>
+            <p:ph type="title"/>
+          </p:nvPr>
+        </p:nvSpPr>
+        <p:spPr>
+          <a:xfrm>
+            <a:off x="838200" y="365126"/>
+            <a:ext cx="10515600" cy="557664"/>
+          </a:xfrm>
+        </p:spPr>
+        <p:txBody>
+          <a:bodyPr>
+            <a:normAutofit/>
+          </a:bodyPr>
+          <a:lstStyle/>
+          <a:p>
+            <a:r>
+              <a:rPr lang="en-US" altLang="ko-KR" sz="3200" b="1" dirty="0" err="1"/>
+              <a:t>JdbcTemplate</a:t>
+            </a:r>
+            <a:r>
+              <a:rPr lang="en-US" altLang="ko-KR" sz="3200" b="1" dirty="0"/>
+              <a:t> template = new </a:t>
+            </a:r>
+            <a:r>
+              <a:rPr lang="en-US" altLang="ko-KR" sz="3200" b="1" dirty="0" err="1"/>
+              <a:t>JdbcTemplate</a:t>
+            </a:r>
+            <a:r>
+              <a:rPr lang="en-US" altLang="ko-KR" sz="3200" b="1" dirty="0"/>
+              <a:t>();</a:t>
+            </a:r>
+            <a:endParaRPr lang="ko-KR" altLang="en-US" sz="3200" b="1" dirty="0"/>
+          </a:p>
+        </p:txBody>
+      </p:sp>
+      <p:sp>
+        <p:nvSpPr>
+          <p:cNvPr id="3" name="내용 개체 틀 2">
+            <a:extLst>
+              <a:ext uri="{FF2B5EF4-FFF2-40B4-BE49-F238E27FC236}">
+                <a16:creationId xmlns:a16="http://schemas.microsoft.com/office/drawing/2014/main" id="{66979BC6-9D21-4819-B388-0BDCD2C1D955}"/>
+              </a:ext>
+            </a:extLst>
+          </p:cNvPr>
+          <p:cNvSpPr>
+            <a:spLocks noGrp="1"/>
+          </p:cNvSpPr>
+          <p:nvPr>
+            <p:ph idx="1"/>
+          </p:nvPr>
+        </p:nvSpPr>
+        <p:spPr>
+          <a:xfrm>
+            <a:off x="838200" y="1140903"/>
+            <a:ext cx="10515600" cy="5036060"/>
+          </a:xfrm>
+        </p:spPr>
+        <p:txBody>
+          <a:bodyPr>
+            <a:normAutofit/>
+          </a:bodyPr>
+          <a:lstStyle/>
+          <a:p>
+            <a:r>
+              <a:rPr lang="en-US" altLang="ko-KR" sz="2000" dirty="0" err="1"/>
+              <a:t>template.update</a:t>
+            </a:r>
+            <a:r>
+              <a:rPr lang="en-US" altLang="ko-KR" sz="2000" dirty="0"/>
+              <a:t>();</a:t>
+            </a:r>
+          </a:p>
+          <a:p>
+            <a:pPr lvl="1"/>
+            <a:r>
+              <a:rPr lang="ko-KR" altLang="en-US" sz="1600" dirty="0"/>
+              <a:t>데이터를 변경할 때 </a:t>
+            </a:r>
+            <a:endParaRPr lang="en-US" altLang="ko-KR" sz="1600" dirty="0"/>
+          </a:p>
+          <a:p>
+            <a:pPr lvl="1"/>
+            <a:r>
+              <a:rPr lang="en-US" altLang="ko-KR" sz="1600" dirty="0"/>
+              <a:t>insert, update, delete SQL</a:t>
+            </a:r>
+            <a:r>
+              <a:rPr lang="ko-KR" altLang="en-US" sz="1600" dirty="0"/>
+              <a:t> 구문에 사용</a:t>
+            </a:r>
+            <a:endParaRPr lang="en-US" altLang="ko-KR" sz="1600" dirty="0"/>
+          </a:p>
+          <a:p>
+            <a:endParaRPr lang="en-US" altLang="ko-KR" sz="2000" dirty="0"/>
+          </a:p>
+          <a:p>
+            <a:r>
+              <a:rPr lang="en-US" altLang="ko-KR" sz="2000" dirty="0" err="1"/>
+              <a:t>template.queryForObject</a:t>
+            </a:r>
+            <a:r>
+              <a:rPr lang="en-US" altLang="ko-KR" sz="2000" dirty="0"/>
+              <a:t>();</a:t>
+            </a:r>
+          </a:p>
+          <a:p>
+            <a:pPr lvl="1"/>
+            <a:r>
+              <a:rPr lang="ko-KR" altLang="en-US" sz="1600" dirty="0"/>
+              <a:t>주로 데이터 하나를 조회할 때 </a:t>
+            </a:r>
+            <a:r>
+              <a:rPr lang="en-US" altLang="ko-KR" sz="1600" dirty="0"/>
+              <a:t>(contents page), </a:t>
+            </a:r>
+            <a:r>
+              <a:rPr lang="ko-KR" altLang="en-US" sz="1600" dirty="0"/>
+              <a:t>검색결과가 하나로 나올 때 사용</a:t>
+            </a:r>
+            <a:endParaRPr lang="en-US" altLang="ko-KR" sz="1600" dirty="0"/>
+          </a:p>
+          <a:p>
+            <a:pPr lvl="1"/>
+            <a:r>
+              <a:rPr lang="ko-KR" altLang="en-US" sz="1600" dirty="0"/>
+              <a:t>결과가 없을 경우 </a:t>
+            </a:r>
+            <a:r>
+              <a:rPr lang="en-US" altLang="ko-KR" sz="1600" dirty="0" err="1"/>
+              <a:t>EmptyResultDataAccessException</a:t>
+            </a:r>
+            <a:r>
+              <a:rPr lang="en-US" altLang="ko-KR" sz="1600" dirty="0"/>
+              <a:t> </a:t>
+            </a:r>
+            <a:r>
+              <a:rPr lang="ko-KR" altLang="en-US" sz="1600" dirty="0"/>
+              <a:t>예외 발생</a:t>
+            </a:r>
+            <a:endParaRPr lang="en-US" altLang="ko-KR" sz="1600" dirty="0"/>
+          </a:p>
+          <a:p>
+            <a:pPr lvl="1"/>
+            <a:r>
+              <a:rPr lang="ko-KR" altLang="en-US" sz="1600" dirty="0"/>
+              <a:t>결과가 하나보다 많으면 </a:t>
+            </a:r>
+            <a:r>
+              <a:rPr lang="en-US" altLang="ko-KR" sz="1600" dirty="0"/>
+              <a:t>(</a:t>
+            </a:r>
+            <a:r>
+              <a:rPr lang="ko-KR" altLang="en-US" sz="1600" dirty="0"/>
+              <a:t>둘 이상</a:t>
+            </a:r>
+            <a:r>
+              <a:rPr lang="en-US" altLang="ko-KR" sz="1600" dirty="0"/>
+              <a:t>) </a:t>
+            </a:r>
+            <a:r>
+              <a:rPr lang="en-US" altLang="ko-KR" sz="1600" dirty="0" err="1"/>
+              <a:t>IncorrectResultSizeDataAccessException</a:t>
+            </a:r>
+            <a:r>
+              <a:rPr lang="en-US" altLang="ko-KR" sz="1600" dirty="0"/>
+              <a:t> </a:t>
+            </a:r>
+            <a:r>
+              <a:rPr lang="ko-KR" altLang="en-US" sz="1600" dirty="0"/>
+              <a:t>예외 발생</a:t>
+            </a:r>
+            <a:endParaRPr lang="en-US" altLang="ko-KR" sz="1600" dirty="0"/>
+          </a:p>
+          <a:p>
+            <a:pPr lvl="1"/>
+            <a:endParaRPr lang="en-US" altLang="ko-KR" sz="1600" dirty="0"/>
+          </a:p>
+          <a:p>
+            <a:r>
+              <a:rPr lang="en-US" altLang="ko-KR" sz="2000" dirty="0" err="1"/>
+              <a:t>RowMapper</a:t>
+            </a:r>
+            <a:r>
+              <a:rPr lang="en-US" altLang="ko-KR" sz="2000" dirty="0"/>
+              <a:t>()</a:t>
+            </a:r>
+          </a:p>
+          <a:p>
+            <a:pPr lvl="1"/>
+            <a:r>
+              <a:rPr lang="ko-KR" altLang="en-US" sz="1600" dirty="0"/>
+              <a:t>데이터 조회 결과를 객체로 전환할 때 사용</a:t>
+            </a:r>
+            <a:endParaRPr lang="en-US" altLang="ko-KR" sz="1600" dirty="0"/>
+          </a:p>
+          <a:p>
+            <a:pPr lvl="1"/>
+            <a:r>
+              <a:rPr lang="en-US" altLang="ko-KR" sz="1600" dirty="0" err="1"/>
+              <a:t>RowMapper</a:t>
+            </a:r>
+            <a:r>
+              <a:rPr lang="ko-KR" altLang="en-US" sz="1600" dirty="0"/>
+              <a:t>가 필요한 메서드에 직접 람다식을 작성</a:t>
+            </a:r>
+            <a:r>
+              <a:rPr lang="en-US" altLang="ko-KR" sz="1600" dirty="0"/>
+              <a:t>. (</a:t>
+            </a:r>
+            <a:r>
+              <a:rPr lang="ko-KR" altLang="en-US" sz="1600" dirty="0"/>
+              <a:t>하지만 메서드로 빼서 사용하는 것이 보기 좋다</a:t>
+            </a:r>
+            <a:r>
+              <a:rPr lang="en-US" altLang="ko-KR" sz="1600" dirty="0"/>
+              <a:t>.)</a:t>
+            </a:r>
+            <a:endParaRPr lang="ko-KR" altLang="en-US" sz="1600" dirty="0"/>
+          </a:p>
+        </p:txBody>
+      </p:sp>
+    </p:spTree>
+    <p:extLst>
+      <p:ext uri="{BB962C8B-B14F-4D97-AF65-F5344CB8AC3E}">
+        <p14:creationId xmlns:p14="http://schemas.microsoft.com/office/powerpoint/2010/main" val="3058784099"/>
       </p:ext>
     </p:extLst>
   </p:cSld>
